--- a/2020/fluent-interface/Fluent Interface.pptx
+++ b/2020/fluent-interface/Fluent Interface.pptx
@@ -7,7 +7,7 @@
   <p:sldIdLst>
     <p:sldId id="262" r:id="rId5"/>
     <p:sldId id="257" r:id="rId6"/>
-    <p:sldId id="259" r:id="rId7"/>
+    <p:sldId id="272" r:id="rId7"/>
     <p:sldId id="261" r:id="rId8"/>
     <p:sldId id="263" r:id="rId9"/>
     <p:sldId id="266" r:id="rId10"/>
@@ -17,7 +17,8 @@
     <p:sldId id="267" r:id="rId14"/>
     <p:sldId id="265" r:id="rId15"/>
     <p:sldId id="271" r:id="rId16"/>
-    <p:sldId id="260" r:id="rId17"/>
+    <p:sldId id="259" r:id="rId17"/>
+    <p:sldId id="260" r:id="rId18"/>
   </p:sldIdLst>
   <p:sldSz cx="12192000" cy="6858000"/>
   <p:notesSz cx="6858000" cy="9144000"/>
@@ -1665,6 +1666,187 @@
           <a:chExt cx="0" cy="0"/>
         </a:xfrm>
       </p:grpSpPr>
+      <p:sp>
+        <p:nvSpPr>
+          <p:cNvPr id="7" name="AutoShape 10">
+            <a:extLst>
+              <a:ext uri="{FF2B5EF4-FFF2-40B4-BE49-F238E27FC236}">
+                <a16:creationId xmlns:a16="http://schemas.microsoft.com/office/drawing/2014/main" id="{AFDF49E8-7049-4E78-A09D-6A8C81D3E0D4}"/>
+              </a:ext>
+            </a:extLst>
+          </p:cNvPr>
+          <p:cNvSpPr>
+            <a:spLocks noChangeAspect="1" noChangeArrowheads="1"/>
+          </p:cNvSpPr>
+          <p:nvPr/>
+        </p:nvSpPr>
+        <p:spPr bwMode="auto">
+          <a:xfrm>
+            <a:off x="6096000" y="3429000"/>
+            <a:ext cx="304800" cy="304800"/>
+          </a:xfrm>
+          <a:prstGeom prst="rect">
+            <a:avLst/>
+          </a:prstGeom>
+          <a:noFill/>
+          <a:extLst>
+            <a:ext uri="{909E8E84-426E-40DD-AFC4-6F175D3DCCD1}">
+              <a14:hiddenFill xmlns:a14="http://schemas.microsoft.com/office/drawing/2010/main">
+                <a:solidFill>
+                  <a:srgbClr val="FFFFFF"/>
+                </a:solidFill>
+              </a14:hiddenFill>
+            </a:ext>
+          </a:extLst>
+        </p:spPr>
+        <p:txBody>
+          <a:bodyPr vert="horz" wrap="square" lIns="91440" tIns="45720" rIns="91440" bIns="45720" numCol="1" anchor="t" anchorCtr="0" compatLnSpc="1">
+            <a:prstTxWarp prst="textNoShape">
+              <a:avLst/>
+            </a:prstTxWarp>
+          </a:bodyPr>
+          <a:lstStyle/>
+          <a:p>
+            <a:endParaRPr lang="pt-BR"/>
+          </a:p>
+        </p:txBody>
+      </p:sp>
+      <p:pic>
+        <p:nvPicPr>
+          <p:cNvPr id="4" name="Imagem 3">
+            <a:extLst>
+              <a:ext uri="{FF2B5EF4-FFF2-40B4-BE49-F238E27FC236}">
+                <a16:creationId xmlns:a16="http://schemas.microsoft.com/office/drawing/2014/main" id="{DA45CE13-F3A0-458B-A779-5651C205AD78}"/>
+              </a:ext>
+            </a:extLst>
+          </p:cNvPr>
+          <p:cNvPicPr>
+            <a:picLocks noChangeAspect="1"/>
+          </p:cNvPicPr>
+          <p:nvPr/>
+        </p:nvPicPr>
+        <p:blipFill>
+          <a:blip r:embed="rId2">
+            <a:extLst>
+              <a:ext uri="{28A0092B-C50C-407E-A947-70E740481C1C}">
+                <a14:useLocalDpi xmlns:a14="http://schemas.microsoft.com/office/drawing/2010/main" val="0"/>
+              </a:ext>
+            </a:extLst>
+          </a:blip>
+          <a:stretch>
+            <a:fillRect/>
+          </a:stretch>
+        </p:blipFill>
+        <p:spPr>
+          <a:xfrm rot="351366">
+            <a:off x="6727400" y="1777151"/>
+            <a:ext cx="4904664" cy="4954772"/>
+          </a:xfrm>
+          <a:prstGeom prst="rect">
+            <a:avLst/>
+          </a:prstGeom>
+        </p:spPr>
+      </p:pic>
+      <p:pic>
+        <p:nvPicPr>
+          <p:cNvPr id="6" name="Imagem 5">
+            <a:extLst>
+              <a:ext uri="{FF2B5EF4-FFF2-40B4-BE49-F238E27FC236}">
+                <a16:creationId xmlns:a16="http://schemas.microsoft.com/office/drawing/2014/main" id="{BE350E3D-8EC4-456F-94DF-357948CC0691}"/>
+              </a:ext>
+            </a:extLst>
+          </p:cNvPr>
+          <p:cNvPicPr>
+            <a:picLocks noChangeAspect="1"/>
+          </p:cNvPicPr>
+          <p:nvPr/>
+        </p:nvPicPr>
+        <p:blipFill>
+          <a:blip r:embed="rId3">
+            <a:extLst>
+              <a:ext uri="{28A0092B-C50C-407E-A947-70E740481C1C}">
+                <a14:useLocalDpi xmlns:a14="http://schemas.microsoft.com/office/drawing/2010/main" val="0"/>
+              </a:ext>
+            </a:extLst>
+          </a:blip>
+          <a:stretch>
+            <a:fillRect/>
+          </a:stretch>
+        </p:blipFill>
+        <p:spPr>
+          <a:xfrm>
+            <a:off x="106324" y="74429"/>
+            <a:ext cx="1286541" cy="1667785"/>
+          </a:xfrm>
+          <a:prstGeom prst="rect">
+            <a:avLst/>
+          </a:prstGeom>
+        </p:spPr>
+      </p:pic>
+      <p:sp>
+        <p:nvSpPr>
+          <p:cNvPr id="9" name="Título 1">
+            <a:extLst>
+              <a:ext uri="{FF2B5EF4-FFF2-40B4-BE49-F238E27FC236}">
+                <a16:creationId xmlns:a16="http://schemas.microsoft.com/office/drawing/2014/main" id="{DA681F5F-04AF-4F48-8E08-B52BD0B47C2C}"/>
+              </a:ext>
+            </a:extLst>
+          </p:cNvPr>
+          <p:cNvSpPr>
+            <a:spLocks noGrp="1"/>
+          </p:cNvSpPr>
+          <p:nvPr>
+            <p:ph type="title"/>
+          </p:nvPr>
+        </p:nvSpPr>
+        <p:spPr>
+          <a:xfrm>
+            <a:off x="6807395" y="0"/>
+            <a:ext cx="5384605" cy="733647"/>
+          </a:xfrm>
+        </p:spPr>
+        <p:txBody>
+          <a:bodyPr/>
+          <a:lstStyle/>
+          <a:p>
+            <a:pPr algn="r"/>
+            <a:r>
+              <a:rPr lang="pt-BR" sz="4400" dirty="0"/>
+              <a:t>Avalie-me</a:t>
+            </a:r>
+          </a:p>
+        </p:txBody>
+      </p:sp>
+    </p:spTree>
+    <p:extLst>
+      <p:ext uri="{BB962C8B-B14F-4D97-AF65-F5344CB8AC3E}">
+        <p14:creationId xmlns:p14="http://schemas.microsoft.com/office/powerpoint/2010/main" val="3753785749"/>
+      </p:ext>
+    </p:extLst>
+  </p:cSld>
+  <p:clrMapOvr>
+    <a:masterClrMapping/>
+  </p:clrMapOvr>
+</p:sld>
+</file>
+
+<file path=ppt/slides/slide14.xml><?xml version="1.0" encoding="utf-8"?>
+<p:sld xmlns:a="http://schemas.openxmlformats.org/drawingml/2006/main" xmlns:r="http://schemas.openxmlformats.org/officeDocument/2006/relationships" xmlns:p="http://schemas.openxmlformats.org/presentationml/2006/main">
+  <p:cSld>
+    <p:spTree>
+      <p:nvGrpSpPr>
+        <p:cNvPr id="1" name=""/>
+        <p:cNvGrpSpPr/>
+        <p:nvPr/>
+      </p:nvGrpSpPr>
+      <p:grpSpPr>
+        <a:xfrm>
+          <a:off x="0" y="0"/>
+          <a:ext cx="0" cy="0"/>
+          <a:chOff x="0" y="0"/>
+          <a:chExt cx="0" cy="0"/>
+        </a:xfrm>
+      </p:grpSpPr>
       <p:pic>
         <p:nvPicPr>
           <p:cNvPr id="3" name="Imagem 2" descr="Ícone&#10;&#10;Descrição gerada automaticamente">
@@ -2993,7 +3175,7 @@
     </p:spTree>
     <p:extLst>
       <p:ext uri="{BB962C8B-B14F-4D97-AF65-F5344CB8AC3E}">
-        <p14:creationId xmlns:p14="http://schemas.microsoft.com/office/powerpoint/2010/main" val="3753785749"/>
+        <p14:creationId xmlns:p14="http://schemas.microsoft.com/office/powerpoint/2010/main" val="1695352958"/>
       </p:ext>
     </p:extLst>
   </p:cSld>
@@ -3677,53 +3859,6 @@
       </p:pic>
       <p:pic>
         <p:nvPicPr>
-          <p:cNvPr id="1026" name="Picture 2">
-            <a:extLst>
-              <a:ext uri="{FF2B5EF4-FFF2-40B4-BE49-F238E27FC236}">
-                <a16:creationId xmlns:a16="http://schemas.microsoft.com/office/drawing/2014/main" id="{7A9537D3-8709-4290-A8E0-DB578B315008}"/>
-              </a:ext>
-            </a:extLst>
-          </p:cNvPr>
-          <p:cNvPicPr>
-            <a:picLocks noChangeAspect="1" noChangeArrowheads="1"/>
-          </p:cNvPicPr>
-          <p:nvPr/>
-        </p:nvPicPr>
-        <p:blipFill>
-          <a:blip r:embed="rId3">
-            <a:extLst>
-              <a:ext uri="{28A0092B-C50C-407E-A947-70E740481C1C}">
-                <a14:useLocalDpi xmlns:a14="http://schemas.microsoft.com/office/drawing/2010/main" val="0"/>
-              </a:ext>
-            </a:extLst>
-          </a:blip>
-          <a:srcRect/>
-          <a:stretch>
-            <a:fillRect/>
-          </a:stretch>
-        </p:blipFill>
-        <p:spPr bwMode="auto">
-          <a:xfrm>
-            <a:off x="10717667" y="-78241"/>
-            <a:ext cx="1381125" cy="352425"/>
-          </a:xfrm>
-          <a:prstGeom prst="rect">
-            <a:avLst/>
-          </a:prstGeom>
-          <a:noFill/>
-          <a:extLst>
-            <a:ext uri="{909E8E84-426E-40DD-AFC4-6F175D3DCCD1}">
-              <a14:hiddenFill xmlns:a14="http://schemas.microsoft.com/office/drawing/2010/main">
-                <a:solidFill>
-                  <a:srgbClr val="FFFFFF"/>
-                </a:solidFill>
-              </a14:hiddenFill>
-            </a:ext>
-          </a:extLst>
-        </p:spPr>
-      </p:pic>
-      <p:pic>
-        <p:nvPicPr>
           <p:cNvPr id="6" name="Imagem 5" descr="Logotipo&#10;&#10;Descrição gerada automaticamente">
             <a:extLst>
               <a:ext uri="{FF2B5EF4-FFF2-40B4-BE49-F238E27FC236}">
@@ -3737,7 +3872,7 @@
           <p:nvPr/>
         </p:nvPicPr>
         <p:blipFill>
-          <a:blip r:embed="rId4">
+          <a:blip r:embed="rId3">
             <a:extLst>
               <a:ext uri="{28A0092B-C50C-407E-A947-70E740481C1C}">
                 <a14:useLocalDpi xmlns:a14="http://schemas.microsoft.com/office/drawing/2010/main" val="0"/>
@@ -3773,7 +3908,7 @@
           <p:nvPr/>
         </p:nvPicPr>
         <p:blipFill>
-          <a:blip r:embed="rId5">
+          <a:blip r:embed="rId4">
             <a:extLst>
               <a:ext uri="{28A0092B-C50C-407E-A947-70E740481C1C}">
                 <a14:useLocalDpi xmlns:a14="http://schemas.microsoft.com/office/drawing/2010/main" val="0"/>
@@ -3803,6 +3938,42 @@
               </a14:hiddenFill>
             </a:ext>
           </a:extLst>
+        </p:spPr>
+      </p:pic>
+      <p:pic>
+        <p:nvPicPr>
+          <p:cNvPr id="7" name="Imagem 6">
+            <a:extLst>
+              <a:ext uri="{FF2B5EF4-FFF2-40B4-BE49-F238E27FC236}">
+                <a16:creationId xmlns:a16="http://schemas.microsoft.com/office/drawing/2014/main" id="{A679F442-8FC5-4ADA-884B-FB018EB3F53B}"/>
+              </a:ext>
+            </a:extLst>
+          </p:cNvPr>
+          <p:cNvPicPr>
+            <a:picLocks noChangeAspect="1"/>
+          </p:cNvPicPr>
+          <p:nvPr/>
+        </p:nvPicPr>
+        <p:blipFill>
+          <a:blip r:embed="rId5">
+            <a:extLst>
+              <a:ext uri="{28A0092B-C50C-407E-A947-70E740481C1C}">
+                <a14:useLocalDpi xmlns:a14="http://schemas.microsoft.com/office/drawing/2010/main" val="0"/>
+              </a:ext>
+            </a:extLst>
+          </a:blip>
+          <a:stretch>
+            <a:fillRect/>
+          </a:stretch>
+        </p:blipFill>
+        <p:spPr>
+          <a:xfrm>
+            <a:off x="10697478" y="81346"/>
+            <a:ext cx="1364401" cy="1768719"/>
+          </a:xfrm>
+          <a:prstGeom prst="rect">
+            <a:avLst/>
+          </a:prstGeom>
         </p:spPr>
       </p:pic>
     </p:spTree>
@@ -4723,18 +4894,18 @@
 </file>
 
 <file path=customXml/item2.xml><?xml version="1.0" encoding="utf-8"?>
+<p:properties xmlns:p="http://schemas.microsoft.com/office/2006/metadata/properties" xmlns:xsi="http://www.w3.org/2001/XMLSchema-instance" xmlns:pc="http://schemas.microsoft.com/office/infopath/2007/PartnerControls">
+  <documentManagement/>
+</p:properties>
+</file>
+
+<file path=customXml/item3.xml><?xml version="1.0" encoding="utf-8"?>
 <?mso-contentType ?>
 <FormTemplates xmlns="http://schemas.microsoft.com/sharepoint/v3/contenttype/forms">
   <Display>DocumentLibraryForm</Display>
   <Edit>DocumentLibraryForm</Edit>
   <New>DocumentLibraryForm</New>
 </FormTemplates>
-</file>
-
-<file path=customXml/item3.xml><?xml version="1.0" encoding="utf-8"?>
-<p:properties xmlns:p="http://schemas.microsoft.com/office/2006/metadata/properties" xmlns:xsi="http://www.w3.org/2001/XMLSchema-instance" xmlns:pc="http://schemas.microsoft.com/office/infopath/2007/PartnerControls">
-  <documentManagement/>
-</p:properties>
 </file>
 
 <file path=customXml/itemProps1.xml><?xml version="1.0" encoding="utf-8"?>
@@ -4756,14 +4927,6 @@
 </file>
 
 <file path=customXml/itemProps2.xml><?xml version="1.0" encoding="utf-8"?>
-<ds:datastoreItem xmlns:ds="http://schemas.openxmlformats.org/officeDocument/2006/customXml" ds:itemID="{74453037-89E6-495B-97DC-7EFBB7414780}">
-  <ds:schemaRefs>
-    <ds:schemaRef ds:uri="http://schemas.microsoft.com/sharepoint/v3/contenttype/forms"/>
-  </ds:schemaRefs>
-</ds:datastoreItem>
-</file>
-
-<file path=customXml/itemProps3.xml><?xml version="1.0" encoding="utf-8"?>
 <ds:datastoreItem xmlns:ds="http://schemas.openxmlformats.org/officeDocument/2006/customXml" ds:itemID="{FC13E19B-D56E-4327-A7E7-9A2C893B5877}">
   <ds:schemaRefs>
     <ds:schemaRef ds:uri="http://www.w3.org/XML/1998/namespace"/>
@@ -4777,4 +4940,12 @@
     <ds:schemaRef ds:uri="http://schemas.microsoft.com/office/2006/metadata/properties"/>
   </ds:schemaRefs>
 </ds:datastoreItem>
+</file>
+
+<file path=customXml/itemProps3.xml><?xml version="1.0" encoding="utf-8"?>
+<ds:datastoreItem xmlns:ds="http://schemas.openxmlformats.org/officeDocument/2006/customXml" ds:itemID="{74453037-89E6-495B-97DC-7EFBB7414780}">
+  <ds:schemaRefs>
+    <ds:schemaRef ds:uri="http://schemas.microsoft.com/sharepoint/v3/contenttype/forms"/>
+  </ds:schemaRefs>
+</ds:datastoreItem>
 </file>